--- a/jmva_presentation_new.pptx
+++ b/jmva_presentation_new.pptx
@@ -5,10 +5,10 @@
     <p:sldMasterId id="2147483660" r:id="rId1"/>
   </p:sldMasterIdLst>
   <p:notesMasterIdLst>
-    <p:notesMasterId r:id="rId11"/>
+    <p:notesMasterId r:id="rId12"/>
   </p:notesMasterIdLst>
   <p:handoutMasterIdLst>
-    <p:handoutMasterId r:id="rId12"/>
+    <p:handoutMasterId r:id="rId13"/>
   </p:handoutMasterIdLst>
   <p:sldIdLst>
     <p:sldId id="257" r:id="rId2"/>
@@ -18,8 +18,9 @@
     <p:sldId id="264" r:id="rId6"/>
     <p:sldId id="259" r:id="rId7"/>
     <p:sldId id="261" r:id="rId8"/>
-    <p:sldId id="262" r:id="rId9"/>
-    <p:sldId id="263" r:id="rId10"/>
+    <p:sldId id="266" r:id="rId9"/>
+    <p:sldId id="262" r:id="rId10"/>
+    <p:sldId id="263" r:id="rId11"/>
   </p:sldIdLst>
   <p:sldSz cx="9144000" cy="6858000" type="screen4x3"/>
   <p:notesSz cx="6858000" cy="9144000"/>
@@ -203,7 +204,7 @@
           <a:p>
             <a:fld id="{30861119-6150-8F4A-9CB0-3B4B7211A86B}" type="datetimeFigureOut">
               <a:rPr kumimoji="1" lang="zh-CN" altLang="en-US" smtClean="0"/>
-              <a:t>10/30/12</a:t>
+              <a:t>10/31/12</a:t>
             </a:fld>
             <a:endParaRPr kumimoji="1" lang="zh-CN" altLang="en-US"/>
           </a:p>
@@ -369,7 +370,7 @@
           <a:p>
             <a:fld id="{6BF45CB4-CB45-1A43-B0B0-E388519BCB62}" type="datetimeFigureOut">
               <a:rPr kumimoji="1" lang="zh-CN" altLang="en-US" smtClean="0"/>
-              <a:t>10/30/12</a:t>
+              <a:t>10/31/12</a:t>
             </a:fld>
             <a:endParaRPr kumimoji="1" lang="zh-CN" altLang="en-US"/>
           </a:p>
@@ -636,6 +637,112 @@
     </a:lvl9pPr>
   </p:notesStyle>
 </p:notesMaster>
+</file>
+
+<file path=ppt/notesSlides/notesSlide1.xml><?xml version="1.0" encoding="utf-8"?>
+<p:notes xmlns:a="http://schemas.openxmlformats.org/drawingml/2006/main" xmlns:r="http://schemas.openxmlformats.org/officeDocument/2006/relationships" xmlns:p="http://schemas.openxmlformats.org/presentationml/2006/main">
+  <p:cSld>
+    <p:spTree>
+      <p:nvGrpSpPr>
+        <p:cNvPr id="1" name=""/>
+        <p:cNvGrpSpPr/>
+        <p:nvPr/>
+      </p:nvGrpSpPr>
+      <p:grpSpPr>
+        <a:xfrm>
+          <a:off x="0" y="0"/>
+          <a:ext cx="0" cy="0"/>
+          <a:chOff x="0" y="0"/>
+          <a:chExt cx="0" cy="0"/>
+        </a:xfrm>
+      </p:grpSpPr>
+      <p:sp>
+        <p:nvSpPr>
+          <p:cNvPr id="2" name="Slide Image Placeholder 1"/>
+          <p:cNvSpPr>
+            <a:spLocks noGrp="1" noRot="1" noChangeAspect="1"/>
+          </p:cNvSpPr>
+          <p:nvPr>
+            <p:ph type="sldImg"/>
+          </p:nvPr>
+        </p:nvSpPr>
+        <p:spPr/>
+      </p:sp>
+      <p:sp>
+        <p:nvSpPr>
+          <p:cNvPr id="3" name="Notes Placeholder 2"/>
+          <p:cNvSpPr>
+            <a:spLocks noGrp="1"/>
+          </p:cNvSpPr>
+          <p:nvPr>
+            <p:ph type="body" idx="1"/>
+          </p:nvPr>
+        </p:nvSpPr>
+        <p:spPr/>
+        <p:txBody>
+          <a:bodyPr/>
+          <a:lstStyle/>
+          <a:p>
+            <a:r>
+              <a:rPr lang="en-US" dirty="0" err="1" smtClean="0"/>
+              <a:t>SolverListener</a:t>
+            </a:r>
+            <a:r>
+              <a:rPr lang="en-US" dirty="0" smtClean="0"/>
+              <a:t> interface</a:t>
+            </a:r>
+            <a:r>
+              <a:rPr lang="en-US" baseline="0" dirty="0" smtClean="0"/>
+              <a:t> defined in </a:t>
+            </a:r>
+            <a:r>
+              <a:rPr lang="en-US" baseline="0" dirty="0" err="1" smtClean="0"/>
+              <a:t>SolverDispatcher</a:t>
+            </a:r>
+            <a:r>
+              <a:rPr lang="en-US" baseline="0" dirty="0" smtClean="0"/>
+              <a:t> but never used</a:t>
+            </a:r>
+          </a:p>
+          <a:p>
+            <a:endParaRPr lang="en-US" dirty="0"/>
+          </a:p>
+        </p:txBody>
+      </p:sp>
+      <p:sp>
+        <p:nvSpPr>
+          <p:cNvPr id="4" name="Slide Number Placeholder 3"/>
+          <p:cNvSpPr>
+            <a:spLocks noGrp="1"/>
+          </p:cNvSpPr>
+          <p:nvPr>
+            <p:ph type="sldNum" sz="quarter" idx="10"/>
+          </p:nvPr>
+        </p:nvSpPr>
+        <p:spPr/>
+        <p:txBody>
+          <a:bodyPr/>
+          <a:lstStyle/>
+          <a:p>
+            <a:fld id="{5DA727D0-C9A5-7E41-9CC7-AADA7817778E}" type="slidenum">
+              <a:rPr kumimoji="1" lang="zh-CN" altLang="en-US" smtClean="0"/>
+              <a:t>10</a:t>
+            </a:fld>
+            <a:endParaRPr kumimoji="1" lang="zh-CN" altLang="en-US"/>
+          </a:p>
+        </p:txBody>
+      </p:sp>
+    </p:spTree>
+    <p:extLst>
+      <p:ext uri="{BB962C8B-B14F-4D97-AF65-F5344CB8AC3E}">
+        <p14:creationId xmlns:p14="http://schemas.microsoft.com/office/powerpoint/2010/main" val="2578774504"/>
+      </p:ext>
+    </p:extLst>
+  </p:cSld>
+  <p:clrMapOvr>
+    <a:masterClrMapping/>
+  </p:clrMapOvr>
+</p:notes>
 </file>
 
 <file path=ppt/slideLayouts/slideLayout1.xml><?xml version="1.0" encoding="utf-8"?>
@@ -4370,12 +4477,12 @@
               <a:t>Paul </a:t>
             </a:r>
             <a:r>
-              <a:rPr lang="de-DE" sz="1800" b="1" dirty="0" err="1" smtClean="0">
+              <a:rPr lang="de-DE" sz="1800" b="1" dirty="0" smtClean="0">
                 <a:solidFill>
                   <a:schemeClr val="bg1"/>
                 </a:solidFill>
               </a:rPr>
-              <a:t>Gribleyuk</a:t>
+              <a:t>Gribelyuk </a:t>
             </a:r>
             <a:r>
               <a:rPr lang="de-DE" sz="1800" b="1" dirty="0" smtClean="0">
@@ -4383,7 +4490,7 @@
                   <a:schemeClr val="bg1"/>
                 </a:solidFill>
               </a:rPr>
-              <a:t> (pg1312)</a:t>
+              <a:t>(pg1312)</a:t>
             </a:r>
           </a:p>
           <a:p>
@@ -4499,6 +4606,508 @@
 </p:sld>
 </file>
 
+<file path=ppt/slides/slide10.xml><?xml version="1.0" encoding="utf-8"?>
+<p:sld xmlns:a="http://schemas.openxmlformats.org/drawingml/2006/main" xmlns:r="http://schemas.openxmlformats.org/officeDocument/2006/relationships" xmlns:p="http://schemas.openxmlformats.org/presentationml/2006/main">
+  <p:cSld>
+    <p:spTree>
+      <p:nvGrpSpPr>
+        <p:cNvPr id="1" name=""/>
+        <p:cNvGrpSpPr/>
+        <p:nvPr/>
+      </p:nvGrpSpPr>
+      <p:grpSpPr>
+        <a:xfrm>
+          <a:off x="0" y="0"/>
+          <a:ext cx="0" cy="0"/>
+          <a:chOff x="0" y="0"/>
+          <a:chExt cx="0" cy="0"/>
+        </a:xfrm>
+      </p:grpSpPr>
+      <p:sp>
+        <p:nvSpPr>
+          <p:cNvPr id="2" name="Title 1"/>
+          <p:cNvSpPr>
+            <a:spLocks noGrp="1"/>
+          </p:cNvSpPr>
+          <p:nvPr>
+            <p:ph type="title"/>
+          </p:nvPr>
+        </p:nvSpPr>
+        <p:spPr/>
+        <p:txBody>
+          <a:bodyPr/>
+          <a:lstStyle/>
+          <a:p>
+            <a:pPr algn="l"/>
+            <a:r>
+              <a:rPr lang="en-US" sz="3200" dirty="0" smtClean="0">
+                <a:solidFill>
+                  <a:srgbClr val="000000"/>
+                </a:solidFill>
+                <a:latin typeface="Bank Gothic"/>
+              </a:rPr>
+              <a:t>Critique (cont.)</a:t>
+            </a:r>
+            <a:endParaRPr lang="en-US" sz="3200" dirty="0"/>
+          </a:p>
+        </p:txBody>
+      </p:sp>
+      <p:sp>
+        <p:nvSpPr>
+          <p:cNvPr id="3" name="Content Placeholder 2"/>
+          <p:cNvSpPr>
+            <a:spLocks noGrp="1"/>
+          </p:cNvSpPr>
+          <p:nvPr>
+            <p:ph idx="1"/>
+          </p:nvPr>
+        </p:nvSpPr>
+        <p:spPr>
+          <a:xfrm>
+            <a:off x="295563" y="1131454"/>
+            <a:ext cx="8229600" cy="4902345"/>
+          </a:xfrm>
+        </p:spPr>
+        <p:txBody>
+          <a:bodyPr/>
+          <a:lstStyle/>
+          <a:p>
+            <a:pPr lvl="1"/>
+            <a:r>
+              <a:rPr lang="en-US" sz="1600" dirty="0">
+                <a:latin typeface="Monaco"/>
+                <a:cs typeface="Monaco"/>
+              </a:rPr>
+              <a:t>The test package contains tests for main functional classes in </a:t>
+            </a:r>
+            <a:r>
+              <a:rPr lang="en-US" sz="1600" dirty="0">
+                <a:latin typeface="Courier New"/>
+                <a:cs typeface="Courier New"/>
+              </a:rPr>
+              <a:t>analytical</a:t>
+            </a:r>
+            <a:r>
+              <a:rPr lang="en-US" sz="1600" dirty="0">
+                <a:latin typeface="Monaco"/>
+                <a:cs typeface="Monaco"/>
+              </a:rPr>
+              <a:t> and </a:t>
+            </a:r>
+            <a:r>
+              <a:rPr lang="en-US" sz="1600" dirty="0">
+                <a:latin typeface="Courier New"/>
+                <a:cs typeface="Courier New"/>
+              </a:rPr>
+              <a:t>engine</a:t>
+            </a:r>
+            <a:r>
+              <a:rPr lang="en-US" sz="1600" dirty="0">
+                <a:latin typeface="Monaco"/>
+                <a:cs typeface="Monaco"/>
+              </a:rPr>
+              <a:t> </a:t>
+            </a:r>
+            <a:r>
+              <a:rPr lang="en-US" sz="1600" dirty="0" smtClean="0">
+                <a:latin typeface="Monaco"/>
+                <a:cs typeface="Monaco"/>
+              </a:rPr>
+              <a:t>packages. Some </a:t>
+            </a:r>
+            <a:r>
+              <a:rPr lang="en-US" sz="1600" dirty="0">
+                <a:latin typeface="Monaco"/>
+                <a:cs typeface="Monaco"/>
+              </a:rPr>
+              <a:t>tests' output is either empty if </a:t>
+            </a:r>
+            <a:r>
+              <a:rPr lang="en-US" sz="1600" dirty="0" smtClean="0">
+                <a:latin typeface="Monaco"/>
+                <a:cs typeface="Monaco"/>
+              </a:rPr>
+              <a:t>they succeed </a:t>
+            </a:r>
+            <a:r>
+              <a:rPr lang="en-US" sz="1600" dirty="0">
+                <a:latin typeface="Monaco"/>
+                <a:cs typeface="Monaco"/>
+              </a:rPr>
+              <a:t>or error </a:t>
+            </a:r>
+            <a:r>
+              <a:rPr lang="en-US" sz="1600" dirty="0" smtClean="0">
+                <a:latin typeface="Monaco"/>
+                <a:cs typeface="Monaco"/>
+              </a:rPr>
+              <a:t>messages </a:t>
+            </a:r>
+            <a:r>
+              <a:rPr lang="en-US" sz="1600" dirty="0">
+                <a:latin typeface="Monaco"/>
+                <a:cs typeface="Monaco"/>
+              </a:rPr>
+              <a:t>printed to screen </a:t>
+            </a:r>
+            <a:r>
+              <a:rPr lang="en-US" sz="1600" dirty="0" smtClean="0">
+                <a:latin typeface="Monaco"/>
+                <a:cs typeface="Monaco"/>
+              </a:rPr>
+              <a:t>otherwise. </a:t>
+            </a:r>
+            <a:r>
+              <a:rPr lang="en-US" sz="1600" dirty="0">
+                <a:latin typeface="Monaco"/>
+                <a:cs typeface="Monaco"/>
+              </a:rPr>
+              <a:t>There is a lack of end-to-end tests and unit tests in other classes</a:t>
+            </a:r>
+            <a:r>
+              <a:rPr lang="en-US" sz="1600" dirty="0" smtClean="0">
+                <a:latin typeface="Monaco"/>
+                <a:cs typeface="Monaco"/>
+              </a:rPr>
+              <a:t>.</a:t>
+            </a:r>
+            <a:endParaRPr lang="en-US" sz="1600" dirty="0" smtClean="0"/>
+          </a:p>
+          <a:p>
+            <a:pPr lvl="1"/>
+            <a:r>
+              <a:rPr lang="en-US" sz="1600" dirty="0" smtClean="0">
+                <a:latin typeface="Monaco"/>
+                <a:cs typeface="Monaco"/>
+              </a:rPr>
+              <a:t>Components </a:t>
+            </a:r>
+            <a:r>
+              <a:rPr lang="en-US" sz="1600" dirty="0">
+                <a:latin typeface="Monaco"/>
+                <a:cs typeface="Monaco"/>
+              </a:rPr>
+              <a:t>are </a:t>
+            </a:r>
+            <a:r>
+              <a:rPr lang="en-US" sz="1600" dirty="0" smtClean="0">
+                <a:latin typeface="Monaco"/>
+                <a:cs typeface="Monaco"/>
+              </a:rPr>
+              <a:t>often linked </a:t>
+            </a:r>
+            <a:r>
+              <a:rPr lang="en-US" sz="1600" dirty="0">
+                <a:latin typeface="Monaco"/>
+                <a:cs typeface="Monaco"/>
+              </a:rPr>
+              <a:t>by direct call or </a:t>
+            </a:r>
+            <a:r>
+              <a:rPr lang="en-US" sz="1600" dirty="0" smtClean="0">
+                <a:latin typeface="Monaco"/>
+                <a:cs typeface="Monaco"/>
+              </a:rPr>
+              <a:t>reference</a:t>
+            </a:r>
+            <a:r>
+              <a:rPr lang="en-US" sz="1600" dirty="0">
+                <a:latin typeface="Monaco"/>
+                <a:cs typeface="Monaco"/>
+              </a:rPr>
+              <a:t> </a:t>
+            </a:r>
+            <a:r>
+              <a:rPr lang="en-US" sz="1600" dirty="0" smtClean="0">
+                <a:latin typeface="Monaco"/>
+                <a:cs typeface="Monaco"/>
+              </a:rPr>
+              <a:t>(e.g. </a:t>
+            </a:r>
+            <a:r>
+              <a:rPr lang="en-US" sz="1600" dirty="0" err="1" smtClean="0">
+                <a:latin typeface="Monaco"/>
+                <a:cs typeface="Monaco"/>
+              </a:rPr>
+              <a:t>DirectModel</a:t>
+            </a:r>
+            <a:r>
+              <a:rPr lang="en-US" sz="1600" dirty="0" smtClean="0">
+                <a:latin typeface="Monaco"/>
+                <a:cs typeface="Monaco"/>
+              </a:rPr>
+              <a:t> </a:t>
+            </a:r>
+            <a:r>
+              <a:rPr lang="en-US" sz="1600" dirty="0">
+                <a:latin typeface="Monaco"/>
+                <a:cs typeface="Monaco"/>
+              </a:rPr>
+              <a:t>class calls </a:t>
+            </a:r>
+            <a:r>
+              <a:rPr lang="en-US" sz="1600" dirty="0" smtClean="0">
+                <a:latin typeface="Monaco"/>
+                <a:cs typeface="Monaco"/>
+              </a:rPr>
+              <a:t>Solver </a:t>
+            </a:r>
+            <a:r>
+              <a:rPr lang="en-US" sz="1600" dirty="0">
+                <a:latin typeface="Monaco"/>
+                <a:cs typeface="Monaco"/>
+              </a:rPr>
+              <a:t>classes in analytical package without any </a:t>
+            </a:r>
+            <a:r>
+              <a:rPr lang="en-US" sz="1600" dirty="0" smtClean="0">
+                <a:latin typeface="Monaco"/>
+                <a:cs typeface="Monaco"/>
+              </a:rPr>
+              <a:t>interface). </a:t>
+            </a:r>
+            <a:r>
+              <a:rPr lang="en-US" sz="1600" dirty="0">
+                <a:latin typeface="Monaco"/>
+                <a:cs typeface="Monaco"/>
+              </a:rPr>
+              <a:t>This dependency on concretion </a:t>
+            </a:r>
+            <a:r>
+              <a:rPr lang="en-US" sz="1600" dirty="0" smtClean="0">
+                <a:latin typeface="Monaco"/>
+                <a:cs typeface="Monaco"/>
+              </a:rPr>
+              <a:t>sets </a:t>
+            </a:r>
+            <a:r>
+              <a:rPr lang="en-US" sz="1600" dirty="0">
+                <a:latin typeface="Monaco"/>
+                <a:cs typeface="Monaco"/>
+              </a:rPr>
+              <a:t>barriers for doing unit </a:t>
+            </a:r>
+            <a:r>
+              <a:rPr lang="en-US" sz="1600" dirty="0" smtClean="0">
+                <a:latin typeface="Monaco"/>
+                <a:cs typeface="Monaco"/>
+              </a:rPr>
+              <a:t>testing </a:t>
+            </a:r>
+            <a:r>
+              <a:rPr lang="en-US" sz="1600" dirty="0">
+                <a:latin typeface="Monaco"/>
+                <a:cs typeface="Monaco"/>
+              </a:rPr>
+              <a:t>with mock </a:t>
+            </a:r>
+            <a:r>
+              <a:rPr lang="en-US" sz="1600" dirty="0" smtClean="0">
+                <a:latin typeface="Monaco"/>
+                <a:cs typeface="Monaco"/>
+              </a:rPr>
+              <a:t>objects</a:t>
+            </a:r>
+          </a:p>
+          <a:p>
+            <a:pPr lvl="1"/>
+            <a:r>
+              <a:rPr lang="en-US" sz="1600" dirty="0" smtClean="0">
+                <a:latin typeface="Monaco"/>
+                <a:cs typeface="Monaco"/>
+              </a:rPr>
+              <a:t>Class cohesion is low (e.g. </a:t>
+            </a:r>
+            <a:r>
+              <a:rPr lang="en-US" sz="1600" dirty="0" err="1" smtClean="0">
+                <a:latin typeface="Courier New"/>
+                <a:cs typeface="Courier New"/>
+              </a:rPr>
+              <a:t>ExactModel</a:t>
+            </a:r>
+            <a:r>
+              <a:rPr lang="en-US" sz="1600" dirty="0" smtClean="0">
+                <a:latin typeface="Monaco"/>
+                <a:cs typeface="Monaco"/>
+              </a:rPr>
+              <a:t>, </a:t>
+            </a:r>
+            <a:r>
+              <a:rPr lang="en-US" sz="1600" dirty="0" err="1" smtClean="0">
+                <a:latin typeface="Courier New"/>
+                <a:cs typeface="Courier New"/>
+              </a:rPr>
+              <a:t>SolverDispatcher</a:t>
+            </a:r>
+            <a:r>
+              <a:rPr lang="en-US" sz="1600" dirty="0" smtClean="0">
+                <a:latin typeface="Monaco"/>
+                <a:cs typeface="Monaco"/>
+              </a:rPr>
+              <a:t>)</a:t>
+            </a:r>
+          </a:p>
+          <a:p>
+            <a:pPr lvl="1"/>
+            <a:r>
+              <a:rPr lang="en-US" sz="1600" dirty="0" err="1" smtClean="0">
+                <a:latin typeface="Courier New"/>
+                <a:cs typeface="Courier New"/>
+              </a:rPr>
+              <a:t>ExactWizard</a:t>
+            </a:r>
+            <a:r>
+              <a:rPr lang="en-US" sz="1600" dirty="0" smtClean="0">
+                <a:latin typeface="Monaco"/>
+                <a:cs typeface="Monaco"/>
+              </a:rPr>
+              <a:t> breaks inheritance model by overriding superclass methods with empty methods (e.g. </a:t>
+            </a:r>
+            <a:r>
+              <a:rPr lang="en-US" sz="1600" dirty="0" smtClean="0">
+                <a:solidFill>
+                  <a:srgbClr val="FF0000"/>
+                </a:solidFill>
+                <a:latin typeface="Courier New"/>
+                <a:cs typeface="Courier New"/>
+              </a:rPr>
+              <a:t>finish()</a:t>
+            </a:r>
+            <a:r>
+              <a:rPr lang="en-US" sz="1600" dirty="0" smtClean="0">
+                <a:latin typeface="Monaco"/>
+                <a:cs typeface="Monaco"/>
+              </a:rPr>
+              <a:t> );  </a:t>
+            </a:r>
+            <a:r>
+              <a:rPr lang="en-US" sz="1600" dirty="0">
+                <a:latin typeface="Monaco"/>
+                <a:cs typeface="Monaco"/>
+              </a:rPr>
+              <a:t> </a:t>
+            </a:r>
+            <a:r>
+              <a:rPr lang="en-US" sz="1600" dirty="0" smtClean="0">
+                <a:latin typeface="Monaco"/>
+                <a:cs typeface="Monaco"/>
+              </a:rPr>
+              <a:t>we would prefer to use interface to encapsulate commonality between these classes</a:t>
+            </a:r>
+          </a:p>
+          <a:p>
+            <a:r>
+              <a:rPr lang="en-US" sz="2000" dirty="0" smtClean="0">
+                <a:latin typeface="Monaco"/>
+                <a:cs typeface="Monaco"/>
+              </a:rPr>
+              <a:t>Bugs</a:t>
+            </a:r>
+          </a:p>
+          <a:p>
+            <a:pPr lvl="1"/>
+            <a:r>
+              <a:rPr lang="en-US" sz="1600" dirty="0" smtClean="0">
+                <a:latin typeface="Monaco"/>
+                <a:cs typeface="Monaco"/>
+              </a:rPr>
+              <a:t>Application </a:t>
+            </a:r>
+            <a:r>
+              <a:rPr lang="en-US" sz="1600" dirty="0">
+                <a:latin typeface="Monaco"/>
+                <a:cs typeface="Monaco"/>
+              </a:rPr>
+              <a:t>shows inconsistencies between execution and documentation </a:t>
+            </a:r>
+            <a:r>
+              <a:rPr lang="en-US" sz="1600" dirty="0" smtClean="0">
+                <a:latin typeface="Monaco"/>
+                <a:cs typeface="Monaco"/>
+              </a:rPr>
+              <a:t>(e.g. </a:t>
+            </a:r>
+            <a:r>
+              <a:rPr lang="en-US" sz="1600" dirty="0">
+                <a:latin typeface="Monaco"/>
+                <a:cs typeface="Monaco"/>
+              </a:rPr>
+              <a:t>naming of tabs in </a:t>
+            </a:r>
+            <a:r>
+              <a:rPr lang="en-US" sz="1600" dirty="0" smtClean="0">
+                <a:latin typeface="Monaco"/>
+                <a:cs typeface="Monaco"/>
+              </a:rPr>
+              <a:t>solutions frame)</a:t>
+            </a:r>
+          </a:p>
+          <a:p>
+            <a:pPr lvl="1"/>
+            <a:endParaRPr lang="en-US" sz="1600" dirty="0" smtClean="0"/>
+          </a:p>
+          <a:p>
+            <a:pPr marL="457200" lvl="1" indent="0">
+              <a:buNone/>
+            </a:pPr>
+            <a:endParaRPr lang="en-US" sz="1600" dirty="0"/>
+          </a:p>
+        </p:txBody>
+      </p:sp>
+      <p:sp>
+        <p:nvSpPr>
+          <p:cNvPr id="4" name="幻灯片编号占位符 3"/>
+          <p:cNvSpPr>
+            <a:spLocks noGrp="1"/>
+          </p:cNvSpPr>
+          <p:nvPr>
+            <p:ph type="sldNum" sz="quarter" idx="12"/>
+          </p:nvPr>
+        </p:nvSpPr>
+        <p:spPr/>
+        <p:txBody>
+          <a:bodyPr/>
+          <a:lstStyle/>
+          <a:p>
+            <a:r>
+              <a:rPr lang="es-ES" dirty="0">
+                <a:solidFill>
+                  <a:srgbClr val="000000"/>
+                </a:solidFill>
+              </a:rPr>
+              <a:t>8</a:t>
+            </a:r>
+            <a:endParaRPr lang="es-ES" dirty="0" smtClean="0">
+              <a:solidFill>
+                <a:srgbClr val="000000"/>
+              </a:solidFill>
+            </a:endParaRPr>
+          </a:p>
+        </p:txBody>
+      </p:sp>
+    </p:spTree>
+    <p:extLst>
+      <p:ext uri="{BB962C8B-B14F-4D97-AF65-F5344CB8AC3E}">
+        <p14:creationId xmlns:p14="http://schemas.microsoft.com/office/powerpoint/2010/main" val="575694767"/>
+      </p:ext>
+    </p:extLst>
+  </p:cSld>
+  <p:clrMapOvr>
+    <a:masterClrMapping/>
+  </p:clrMapOvr>
+  <p:transition xmlns:p14="http://schemas.microsoft.com/office/powerpoint/2010/main" spd="slow">
+    <p:push dir="u"/>
+  </p:transition>
+  <p:timing>
+    <p:tnLst>
+      <p:par>
+        <p:cTn xmlns:p14="http://schemas.microsoft.com/office/powerpoint/2010/main" id="1" dur="indefinite" restart="never" nodeType="tmRoot"/>
+      </p:par>
+    </p:tnLst>
+  </p:timing>
+</p:sld>
+</file>
+
 <file path=ppt/slides/slide2.xml><?xml version="1.0" encoding="utf-8"?>
 <p:sld xmlns:a="http://schemas.openxmlformats.org/drawingml/2006/main" xmlns:r="http://schemas.openxmlformats.org/officeDocument/2006/relationships" xmlns:p="http://schemas.openxmlformats.org/presentationml/2006/main">
   <p:cSld>
@@ -4614,7 +5223,21 @@
                 <a:latin typeface="Monaco"/>
                 <a:cs typeface="Monaco"/>
               </a:rPr>
-              <a:t>We fixe a text encoding (UTF-8 </a:t>
+              <a:t>We </a:t>
+            </a:r>
+            <a:r>
+              <a:rPr lang="en-US" sz="1600" dirty="0" smtClean="0">
+                <a:latin typeface="Monaco"/>
+                <a:cs typeface="Monaco"/>
+              </a:rPr>
+              <a:t>fixed </a:t>
+            </a:r>
+            <a:r>
+              <a:rPr lang="en-US" sz="1600" dirty="0" smtClean="0">
+                <a:latin typeface="Monaco"/>
+                <a:cs typeface="Monaco"/>
+              </a:rPr>
+              <a:t>a text encoding (UTF-8 </a:t>
             </a:r>
             <a:r>
               <a:rPr lang="en-US" sz="1600" dirty="0" err="1" smtClean="0">
@@ -6835,6 +7458,9 @@
   <p:clrMapOvr>
     <a:masterClrMapping/>
   </p:clrMapOvr>
+  <p:transition xmlns:p14="http://schemas.microsoft.com/office/powerpoint/2010/main" spd="slow">
+    <p:push dir="u"/>
+  </p:transition>
   <p:timing>
     <p:tnLst>
       <p:par>
@@ -7604,7 +8230,12 @@
             <p:ph type="title"/>
           </p:nvPr>
         </p:nvSpPr>
-        <p:spPr/>
+        <p:spPr>
+          <a:xfrm>
+            <a:off x="457200" y="274638"/>
+            <a:ext cx="8229600" cy="1143000"/>
+          </a:xfrm>
+        </p:spPr>
         <p:txBody>
           <a:bodyPr/>
           <a:lstStyle/>
@@ -7612,14 +8243,15 @@
             <a:pPr algn="l"/>
             <a:r>
               <a:rPr lang="en-US" sz="3200" dirty="0" smtClean="0">
-                <a:solidFill>
-                  <a:srgbClr val="000000"/>
-                </a:solidFill>
                 <a:latin typeface="Bank Gothic"/>
-              </a:rPr>
-              <a:t>Critique</a:t>
-            </a:r>
-            <a:endParaRPr lang="en-US" sz="3200" dirty="0"/>
+                <a:cs typeface="Bank Gothic"/>
+              </a:rPr>
+              <a:t>Deciphering the Codebase</a:t>
+            </a:r>
+            <a:endParaRPr lang="en-US" sz="3200" dirty="0">
+              <a:latin typeface="Bank Gothic"/>
+              <a:cs typeface="Bank Gothic"/>
+            </a:endParaRPr>
           </a:p>
         </p:txBody>
       </p:sp>
@@ -7635,8 +8267,8 @@
         </p:nvSpPr>
         <p:spPr>
           <a:xfrm>
-            <a:off x="295563" y="1131454"/>
-            <a:ext cx="8229600" cy="5113771"/>
+            <a:off x="457200" y="1173019"/>
+            <a:ext cx="8229600" cy="5176981"/>
           </a:xfrm>
         </p:spPr>
         <p:txBody>
@@ -7648,7 +8280,7 @@
                 <a:latin typeface="Monaco"/>
                 <a:cs typeface="Monaco"/>
               </a:rPr>
-              <a:t>Program architecture</a:t>
+              <a:t>Use of STAN Tool:</a:t>
             </a:r>
           </a:p>
           <a:p>
@@ -7658,137 +8290,184 @@
                 <a:latin typeface="Monaco"/>
                 <a:cs typeface="Monaco"/>
               </a:rPr>
-              <a:t>We recommend an interface layer between </a:t>
+              <a:t> Used to visualize layers of the code and find where changes will have greatest effect</a:t>
+            </a:r>
+          </a:p>
+          <a:p>
+            <a:pPr lvl="1"/>
+            <a:r>
+              <a:rPr lang="en-US" sz="1600" dirty="0" smtClean="0">
+                <a:latin typeface="Monaco"/>
+                <a:cs typeface="Monaco"/>
+              </a:rPr>
+              <a:t>Allowed us to quickly modify package structure to create more top-down structure by moving the </a:t>
             </a:r>
             <a:r>
               <a:rPr lang="en-US" sz="1600" dirty="0" err="1" smtClean="0">
                 <a:latin typeface="Courier New"/>
                 <a:cs typeface="Courier New"/>
               </a:rPr>
-              <a:t>SolverClient</a:t>
-            </a:r>
-            <a:r>
-              <a:rPr lang="en-US" sz="1600" dirty="0" smtClean="0">
-                <a:latin typeface="Monaco"/>
-                <a:cs typeface="Monaco"/>
-              </a:rPr>
-              <a:t> and </a:t>
+              <a:t>ExactModel</a:t>
+            </a:r>
+            <a:r>
+              <a:rPr lang="en-US" sz="1600" dirty="0" smtClean="0">
+                <a:latin typeface="Courier New"/>
+                <a:cs typeface="Courier New"/>
+              </a:rPr>
+              <a:t> </a:t>
+            </a:r>
+            <a:r>
+              <a:rPr lang="en-US" sz="1600" dirty="0" smtClean="0">
+                <a:latin typeface="Monaco"/>
+                <a:cs typeface="Monaco"/>
+              </a:rPr>
+              <a:t>to the </a:t>
+            </a:r>
+            <a:r>
+              <a:rPr lang="en-US" sz="1600" dirty="0" smtClean="0">
+                <a:latin typeface="Courier New"/>
+                <a:cs typeface="Courier New"/>
+              </a:rPr>
+              <a:t>analytical</a:t>
+            </a:r>
+            <a:r>
+              <a:rPr lang="en-US" sz="1600" dirty="0" smtClean="0">
+                <a:latin typeface="Monaco"/>
+                <a:cs typeface="Monaco"/>
+              </a:rPr>
+              <a:t> package (Fig. 2a and 2b)</a:t>
+            </a:r>
+          </a:p>
+          <a:p>
+            <a:pPr lvl="2"/>
+            <a:r>
+              <a:rPr lang="en-US" sz="1200" dirty="0" smtClean="0">
+                <a:latin typeface="Monaco"/>
+                <a:cs typeface="Monaco"/>
+              </a:rPr>
+              <a:t>Ideally, </a:t>
+            </a:r>
+            <a:r>
+              <a:rPr lang="en-US" sz="1200" dirty="0" err="1" smtClean="0">
+                <a:latin typeface="Courier New"/>
+                <a:cs typeface="Courier New"/>
+              </a:rPr>
+              <a:t>ExactModel</a:t>
+            </a:r>
+            <a:r>
+              <a:rPr lang="en-US" sz="1200" dirty="0">
+                <a:latin typeface="Monaco"/>
+                <a:cs typeface="Monaco"/>
+              </a:rPr>
+              <a:t> </a:t>
+            </a:r>
+            <a:r>
+              <a:rPr lang="en-US" sz="1200" dirty="0" smtClean="0">
+                <a:latin typeface="Monaco"/>
+                <a:cs typeface="Monaco"/>
+              </a:rPr>
+              <a:t>should exist in a separate package</a:t>
+            </a:r>
+          </a:p>
+          <a:p>
+            <a:pPr lvl="2"/>
+            <a:r>
+              <a:rPr lang="en-US" sz="1200" dirty="0" smtClean="0">
+                <a:latin typeface="Monaco"/>
+                <a:cs typeface="Monaco"/>
+              </a:rPr>
+              <a:t>The &gt;2800 LOC file should be split into a hierarchical inheritance structure rather than attempting to describe every model in one class</a:t>
+            </a:r>
+          </a:p>
+          <a:p>
+            <a:pPr lvl="1"/>
+            <a:r>
+              <a:rPr lang="en-US" sz="1600" dirty="0" smtClean="0">
+                <a:latin typeface="Monaco"/>
+                <a:cs typeface="Monaco"/>
+              </a:rPr>
+              <a:t>Code metrics showed marked decrease in “entangled-ness” of project (7.49% to 1.45%).  Further improvement possible.</a:t>
+            </a:r>
+          </a:p>
+          <a:p>
+            <a:r>
+              <a:rPr lang="en-US" sz="2000" dirty="0" smtClean="0">
+                <a:latin typeface="Monaco"/>
+                <a:cs typeface="Monaco"/>
+              </a:rPr>
+              <a:t>Tests</a:t>
+            </a:r>
+          </a:p>
+          <a:p>
+            <a:pPr lvl="1"/>
+            <a:r>
+              <a:rPr lang="en-US" sz="1600" dirty="0" smtClean="0">
+                <a:latin typeface="Monaco"/>
+                <a:cs typeface="Monaco"/>
+              </a:rPr>
+              <a:t>JMVA contains regression tests for different solvers (</a:t>
             </a:r>
             <a:r>
               <a:rPr lang="en-US" sz="1600" dirty="0" err="1" smtClean="0">
                 <a:latin typeface="Courier New"/>
                 <a:cs typeface="Courier New"/>
               </a:rPr>
-              <a:t>SolverDispatcher</a:t>
-            </a:r>
-            <a:endParaRPr lang="en-US" sz="1600" dirty="0" smtClean="0">
-              <a:latin typeface="Courier New"/>
-              <a:cs typeface="Courier New"/>
-            </a:endParaRPr>
-          </a:p>
-          <a:p>
-            <a:pPr lvl="1"/>
-            <a:r>
-              <a:rPr lang="en-US" sz="1600" dirty="0" smtClean="0">
-                <a:latin typeface="Monaco"/>
-                <a:cs typeface="Monaco"/>
-              </a:rPr>
-              <a:t>We recommend moving classes not used by JMVA out of the </a:t>
-            </a:r>
-            <a:r>
-              <a:rPr lang="en-US" sz="1600" dirty="0" smtClean="0">
+              <a:t>TestAnalytical</a:t>
+            </a:r>
+            <a:r>
+              <a:rPr lang="en-US" sz="1600" dirty="0" smtClean="0">
+                <a:latin typeface="Monaco"/>
+                <a:cs typeface="Monaco"/>
+              </a:rPr>
+              <a:t>), for different model inputs (</a:t>
+            </a:r>
+            <a:r>
+              <a:rPr lang="en-US" sz="1600" dirty="0" err="1" smtClean="0">
                 <a:latin typeface="Courier New"/>
                 <a:cs typeface="Courier New"/>
               </a:rPr>
-              <a:t>analytical</a:t>
-            </a:r>
-            <a:r>
-              <a:rPr lang="en-US" sz="1600" dirty="0" smtClean="0">
-                <a:latin typeface="Monaco"/>
-                <a:cs typeface="Monaco"/>
-              </a:rPr>
-              <a:t> package</a:t>
-            </a:r>
-          </a:p>
-          <a:p>
-            <a:pPr lvl="1"/>
-            <a:r>
-              <a:rPr lang="en-US" sz="1600" dirty="0" smtClean="0">
-                <a:latin typeface="Monaco"/>
-                <a:cs typeface="Monaco"/>
-              </a:rPr>
-              <a:t>We recommend further refactoring of packages to reinforce a stricter layered structure between GUI components, Model controllers, and Analytics Engines</a:t>
-            </a:r>
-          </a:p>
-          <a:p>
-            <a:pPr lvl="1"/>
-            <a:r>
-              <a:rPr lang="en-US" sz="1600" dirty="0" smtClean="0">
-                <a:latin typeface="Monaco"/>
-                <a:cs typeface="Monaco"/>
-              </a:rPr>
-              <a:t>Cyclical dependencies between different layers make understanding and maintaining project very difficult</a:t>
-            </a:r>
-          </a:p>
-          <a:p>
-            <a:r>
-              <a:rPr lang="en-US" sz="2000" dirty="0" smtClean="0">
-                <a:latin typeface="Monaco"/>
-                <a:cs typeface="Monaco"/>
-              </a:rPr>
-              <a:t>Code</a:t>
-            </a:r>
-          </a:p>
-          <a:p>
-            <a:pPr lvl="1"/>
-            <a:r>
-              <a:rPr lang="en-US" sz="1600" dirty="0" smtClean="0">
-                <a:latin typeface="Monaco"/>
-                <a:cs typeface="Monaco"/>
-              </a:rPr>
-              <a:t>Comments are sparse and in Italian make it difficult to understand flow</a:t>
-            </a:r>
-          </a:p>
-          <a:p>
-            <a:pPr lvl="1"/>
-            <a:r>
-              <a:rPr lang="en-US" sz="1600" dirty="0" smtClean="0">
-                <a:latin typeface="Monaco"/>
-                <a:cs typeface="Monaco"/>
-              </a:rPr>
-              <a:t>Names of classes and methods obfuscate their responsibilities and actions (</a:t>
-            </a:r>
-            <a:r>
-              <a:rPr lang="en-US" sz="1600" dirty="0" smtClean="0">
+              <a:t>TestAMVA</a:t>
+            </a:r>
+            <a:r>
+              <a:rPr lang="en-US" sz="1600" dirty="0" smtClean="0">
+                <a:latin typeface="Monaco"/>
+                <a:cs typeface="Monaco"/>
+              </a:rPr>
+              <a:t>), threads (</a:t>
+            </a:r>
+            <a:r>
+              <a:rPr lang="en-US" sz="1600" dirty="0" err="1" smtClean="0">
                 <a:latin typeface="Courier New"/>
                 <a:cs typeface="Courier New"/>
               </a:rPr>
-              <a:t>Solver</a:t>
-            </a:r>
-            <a:r>
-              <a:rPr lang="en-US" sz="1600" dirty="0" smtClean="0">
-                <a:latin typeface="Monaco"/>
-                <a:cs typeface="Monaco"/>
-              </a:rPr>
-              <a:t> doesn’t solve, </a:t>
-            </a:r>
-            <a:r>
-              <a:rPr lang="en-US" sz="1600" dirty="0" smtClean="0">
-                <a:solidFill>
-                  <a:srgbClr val="FF0000"/>
-                </a:solidFill>
-                <a:latin typeface="Courier New"/>
-                <a:cs typeface="Courier New"/>
-              </a:rPr>
-              <a:t>solve()</a:t>
-            </a:r>
-            <a:r>
-              <a:rPr lang="en-US" sz="1600" dirty="0" smtClean="0">
-                <a:latin typeface="Monaco"/>
-                <a:cs typeface="Monaco"/>
-              </a:rPr>
-              <a:t> method delegates responsibility rather than performing analysis, etc.)</a:t>
-            </a:r>
+              <a:t>PauseThreadTest</a:t>
+            </a:r>
+            <a:r>
+              <a:rPr lang="en-US" sz="1600" dirty="0" smtClean="0">
+                <a:latin typeface="Monaco"/>
+                <a:cs typeface="Monaco"/>
+              </a:rPr>
+              <a:t>), and others</a:t>
+            </a:r>
+          </a:p>
+          <a:p>
+            <a:pPr lvl="1"/>
+            <a:r>
+              <a:rPr lang="en-US" sz="1600" dirty="0" smtClean="0">
+                <a:latin typeface="Monaco"/>
+                <a:cs typeface="Monaco"/>
+              </a:rPr>
+              <a:t>These tests tend to measure performance rather than guaranteeing behaviour or state of objects</a:t>
+            </a:r>
+          </a:p>
+          <a:p>
+            <a:pPr marL="457200" lvl="1" indent="0">
+              <a:buNone/>
+            </a:pPr>
+            <a:endParaRPr lang="en-US" sz="1600" dirty="0" smtClean="0">
+              <a:latin typeface="Monaco"/>
+              <a:cs typeface="Monaco"/>
+            </a:endParaRPr>
           </a:p>
           <a:p>
             <a:pPr lvl="1"/>
@@ -7797,34 +8476,6 @@
               <a:cs typeface="Monaco"/>
             </a:endParaRPr>
           </a:p>
-          <a:p>
-            <a:pPr lvl="1"/>
-            <a:endParaRPr lang="en-US" sz="1600" dirty="0" smtClean="0">
-              <a:latin typeface="Monaco"/>
-              <a:cs typeface="Monaco"/>
-            </a:endParaRPr>
-          </a:p>
-          <a:p>
-            <a:pPr lvl="1"/>
-            <a:endParaRPr lang="en-US" sz="1600" dirty="0" smtClean="0">
-              <a:latin typeface="Monaco"/>
-              <a:cs typeface="Monaco"/>
-            </a:endParaRPr>
-          </a:p>
-          <a:p>
-            <a:pPr lvl="1"/>
-            <a:endParaRPr lang="en-US" sz="1600" dirty="0" smtClean="0">
-              <a:latin typeface="Monaco"/>
-              <a:cs typeface="Monaco"/>
-            </a:endParaRPr>
-          </a:p>
-          <a:p>
-            <a:pPr lvl="1"/>
-            <a:endParaRPr lang="en-US" sz="1600" dirty="0" smtClean="0">
-              <a:latin typeface="Monaco"/>
-              <a:cs typeface="Monaco"/>
-            </a:endParaRPr>
-          </a:p>
         </p:txBody>
       </p:sp>
       <p:sp>
@@ -7843,20 +8494,32 @@
           <a:lstStyle/>
           <a:p>
             <a:r>
-              <a:rPr lang="es-ES" dirty="0" smtClean="0">
+              <a:rPr lang="es-ES" dirty="0">
                 <a:solidFill>
                   <a:srgbClr val="000000"/>
                 </a:solidFill>
               </a:rPr>
-              <a:t>7</a:t>
-            </a:r>
+              <a:t>5</a:t>
+            </a:r>
+            <a:endParaRPr lang="es-ES" dirty="0" smtClean="0">
+              <a:solidFill>
+                <a:srgbClr val="000000"/>
+              </a:solidFill>
+            </a:endParaRPr>
+          </a:p>
+          <a:p>
+            <a:endParaRPr lang="es-ES" dirty="0">
+              <a:solidFill>
+                <a:srgbClr val="000000"/>
+              </a:solidFill>
+            </a:endParaRPr>
           </a:p>
         </p:txBody>
       </p:sp>
     </p:spTree>
     <p:extLst>
       <p:ext uri="{BB962C8B-B14F-4D97-AF65-F5344CB8AC3E}">
-        <p14:creationId xmlns:p14="http://schemas.microsoft.com/office/powerpoint/2010/main" val="575694767"/>
+        <p14:creationId xmlns:p14="http://schemas.microsoft.com/office/powerpoint/2010/main" val="43771206"/>
       </p:ext>
     </p:extLst>
   </p:cSld>
@@ -7916,7 +8579,7 @@
                 </a:solidFill>
                 <a:latin typeface="Bank Gothic"/>
               </a:rPr>
-              <a:t>Critique (cont.)</a:t>
+              <a:t>Critique</a:t>
             </a:r>
             <a:endParaRPr lang="en-US" sz="3200" dirty="0"/>
           </a:p>
@@ -7935,127 +8598,55 @@
         <p:spPr>
           <a:xfrm>
             <a:off x="295563" y="1131454"/>
-            <a:ext cx="8229600" cy="4902345"/>
+            <a:ext cx="8229600" cy="5113771"/>
           </a:xfrm>
         </p:spPr>
         <p:txBody>
           <a:bodyPr/>
           <a:lstStyle/>
           <a:p>
+            <a:r>
+              <a:rPr lang="en-US" sz="2000" dirty="0" smtClean="0">
+                <a:latin typeface="Monaco"/>
+                <a:cs typeface="Monaco"/>
+              </a:rPr>
+              <a:t>Program architecture</a:t>
+            </a:r>
+          </a:p>
+          <a:p>
             <a:pPr lvl="1"/>
             <a:r>
-              <a:rPr lang="en-US" sz="1600" dirty="0">
-                <a:latin typeface="Monaco"/>
-                <a:cs typeface="Monaco"/>
-              </a:rPr>
-              <a:t>The test package contains tests for main functional classes in </a:t>
-            </a:r>
-            <a:r>
-              <a:rPr lang="en-US" sz="1600" dirty="0">
+              <a:rPr lang="en-US" sz="1600" dirty="0" smtClean="0">
+                <a:latin typeface="Monaco"/>
+                <a:cs typeface="Monaco"/>
+              </a:rPr>
+              <a:t>We recommend an interface layer between </a:t>
+            </a:r>
+            <a:r>
+              <a:rPr lang="en-US" sz="1600" dirty="0" err="1" smtClean="0">
                 <a:latin typeface="Courier New"/>
                 <a:cs typeface="Courier New"/>
               </a:rPr>
-              <a:t>analytical</a:t>
-            </a:r>
-            <a:r>
-              <a:rPr lang="en-US" sz="1600" dirty="0">
+              <a:t>SolverClient</a:t>
+            </a:r>
+            <a:r>
+              <a:rPr lang="en-US" sz="1600" dirty="0" smtClean="0">
                 <a:latin typeface="Monaco"/>
                 <a:cs typeface="Monaco"/>
               </a:rPr>
               <a:t> and </a:t>
             </a:r>
             <a:r>
-              <a:rPr lang="en-US" sz="1600" dirty="0">
+              <a:rPr lang="en-US" sz="1600" dirty="0" err="1" smtClean="0">
                 <a:latin typeface="Courier New"/>
                 <a:cs typeface="Courier New"/>
               </a:rPr>
-              <a:t>engine</a:t>
-            </a:r>
-            <a:r>
-              <a:rPr lang="en-US" sz="1600" dirty="0">
-                <a:latin typeface="Monaco"/>
-                <a:cs typeface="Monaco"/>
-              </a:rPr>
-              <a:t> </a:t>
-            </a:r>
-            <a:r>
-              <a:rPr lang="en-US" sz="1600" dirty="0" smtClean="0">
-                <a:latin typeface="Monaco"/>
-                <a:cs typeface="Monaco"/>
-              </a:rPr>
-              <a:t>packages. </a:t>
-            </a:r>
-            <a:r>
-              <a:rPr lang="en-US" sz="1600" dirty="0" smtClean="0">
-                <a:latin typeface="Monaco"/>
-                <a:cs typeface="Monaco"/>
-              </a:rPr>
-              <a:t>Some</a:t>
-            </a:r>
-            <a:r>
-              <a:rPr lang="en-US" sz="1600" dirty="0" smtClean="0">
-                <a:latin typeface="Monaco"/>
-                <a:cs typeface="Monaco"/>
-              </a:rPr>
-              <a:t> </a:t>
-            </a:r>
-            <a:r>
-              <a:rPr lang="en-US" sz="1600" dirty="0">
-                <a:latin typeface="Monaco"/>
-                <a:cs typeface="Monaco"/>
-              </a:rPr>
-              <a:t>tests' output is either empty if </a:t>
-            </a:r>
-            <a:r>
-              <a:rPr lang="en-US" sz="1600" dirty="0" smtClean="0">
-                <a:latin typeface="Monaco"/>
-                <a:cs typeface="Monaco"/>
-              </a:rPr>
-              <a:t>they succeed </a:t>
-            </a:r>
-            <a:r>
-              <a:rPr lang="en-US" sz="1600" dirty="0">
-                <a:latin typeface="Monaco"/>
-                <a:cs typeface="Monaco"/>
-              </a:rPr>
-              <a:t>or error </a:t>
-            </a:r>
-            <a:r>
-              <a:rPr lang="en-US" sz="1600" dirty="0" smtClean="0">
-                <a:latin typeface="Monaco"/>
-                <a:cs typeface="Monaco"/>
-              </a:rPr>
-              <a:t>messages </a:t>
-            </a:r>
-            <a:r>
-              <a:rPr lang="en-US" sz="1600" dirty="0">
-                <a:latin typeface="Monaco"/>
-                <a:cs typeface="Monaco"/>
-              </a:rPr>
-              <a:t>printed to screen </a:t>
-            </a:r>
-            <a:r>
-              <a:rPr lang="en-US" sz="1600" dirty="0" smtClean="0">
-                <a:latin typeface="Monaco"/>
-                <a:cs typeface="Monaco"/>
-              </a:rPr>
-              <a:t>otherwise. </a:t>
-            </a:r>
-            <a:r>
-              <a:rPr lang="en-US" sz="1600" dirty="0">
-                <a:latin typeface="Monaco"/>
-                <a:cs typeface="Monaco"/>
-              </a:rPr>
-              <a:t>There is a lack of end-to-end tests and unit tests in other classes</a:t>
-            </a:r>
-            <a:r>
-              <a:rPr lang="en-US" sz="1600" dirty="0" smtClean="0">
-                <a:latin typeface="Monaco"/>
-                <a:cs typeface="Monaco"/>
-              </a:rPr>
-              <a:t>.</a:t>
-            </a:r>
-            <a:endParaRPr lang="en-US" sz="1600" dirty="0" smtClean="0"/>
+              <a:t>SolverDispatcher</a:t>
+            </a:r>
+            <a:endParaRPr lang="en-US" sz="1600" dirty="0" smtClean="0">
+              <a:latin typeface="Courier New"/>
+              <a:cs typeface="Courier New"/>
+            </a:endParaRPr>
           </a:p>
           <a:p>
             <a:pPr lvl="1"/>
@@ -8064,134 +8655,105 @@
                 <a:latin typeface="Monaco"/>
                 <a:cs typeface="Monaco"/>
               </a:rPr>
-              <a:t>Components </a:t>
-            </a:r>
-            <a:r>
-              <a:rPr lang="en-US" sz="1600" dirty="0">
-                <a:latin typeface="Monaco"/>
-                <a:cs typeface="Monaco"/>
-              </a:rPr>
-              <a:t>are </a:t>
-            </a:r>
-            <a:r>
-              <a:rPr lang="en-US" sz="1600" dirty="0" smtClean="0">
-                <a:latin typeface="Monaco"/>
-                <a:cs typeface="Monaco"/>
-              </a:rPr>
-              <a:t>often linked </a:t>
-            </a:r>
-            <a:r>
-              <a:rPr lang="en-US" sz="1600" dirty="0">
-                <a:latin typeface="Monaco"/>
-                <a:cs typeface="Monaco"/>
-              </a:rPr>
-              <a:t>by direct call or </a:t>
-            </a:r>
-            <a:r>
-              <a:rPr lang="en-US" sz="1600" dirty="0" smtClean="0">
-                <a:latin typeface="Monaco"/>
-                <a:cs typeface="Monaco"/>
-              </a:rPr>
-              <a:t>reference</a:t>
-            </a:r>
-            <a:r>
-              <a:rPr lang="en-US" sz="1600" dirty="0">
-                <a:latin typeface="Monaco"/>
-                <a:cs typeface="Monaco"/>
-              </a:rPr>
-              <a:t> </a:t>
-            </a:r>
-            <a:r>
-              <a:rPr lang="en-US" sz="1600" dirty="0" smtClean="0">
-                <a:latin typeface="Monaco"/>
-                <a:cs typeface="Monaco"/>
-              </a:rPr>
-              <a:t>(e.g. </a:t>
-            </a:r>
-            <a:r>
-              <a:rPr lang="en-US" sz="1600" dirty="0" err="1" smtClean="0">
-                <a:latin typeface="Monaco"/>
-                <a:cs typeface="Monaco"/>
-              </a:rPr>
-              <a:t>DirectModel</a:t>
-            </a:r>
-            <a:r>
-              <a:rPr lang="en-US" sz="1600" dirty="0" smtClean="0">
-                <a:latin typeface="Monaco"/>
-                <a:cs typeface="Monaco"/>
-              </a:rPr>
-              <a:t> </a:t>
-            </a:r>
-            <a:r>
-              <a:rPr lang="en-US" sz="1600" dirty="0">
-                <a:latin typeface="Monaco"/>
-                <a:cs typeface="Monaco"/>
-              </a:rPr>
-              <a:t>class calls </a:t>
-            </a:r>
-            <a:r>
-              <a:rPr lang="en-US" sz="1600" dirty="0" smtClean="0">
-                <a:latin typeface="Monaco"/>
-                <a:cs typeface="Monaco"/>
-              </a:rPr>
-              <a:t>Solver </a:t>
-            </a:r>
-            <a:r>
-              <a:rPr lang="en-US" sz="1600" dirty="0">
-                <a:latin typeface="Monaco"/>
-                <a:cs typeface="Monaco"/>
-              </a:rPr>
-              <a:t>classes in analytical package without any </a:t>
-            </a:r>
-            <a:r>
-              <a:rPr lang="en-US" sz="1600" dirty="0" smtClean="0">
-                <a:latin typeface="Monaco"/>
-                <a:cs typeface="Monaco"/>
-              </a:rPr>
-              <a:t>interface). </a:t>
-            </a:r>
-            <a:r>
-              <a:rPr lang="en-US" sz="1600" dirty="0">
-                <a:latin typeface="Monaco"/>
-                <a:cs typeface="Monaco"/>
-              </a:rPr>
-              <a:t>This dependency on concretion </a:t>
-            </a:r>
-            <a:r>
-              <a:rPr lang="en-US" sz="1600" dirty="0" smtClean="0">
-                <a:latin typeface="Monaco"/>
-                <a:cs typeface="Monaco"/>
-              </a:rPr>
-              <a:t>sets </a:t>
-            </a:r>
-            <a:r>
-              <a:rPr lang="en-US" sz="1600" dirty="0">
-                <a:latin typeface="Monaco"/>
-                <a:cs typeface="Monaco"/>
-              </a:rPr>
-              <a:t>barriers for doing unit </a:t>
-            </a:r>
-            <a:r>
-              <a:rPr lang="en-US" sz="1600" dirty="0" smtClean="0">
-                <a:latin typeface="Monaco"/>
-                <a:cs typeface="Monaco"/>
-              </a:rPr>
-              <a:t>testing </a:t>
-            </a:r>
-            <a:r>
-              <a:rPr lang="en-US" sz="1600" dirty="0">
-                <a:latin typeface="Monaco"/>
-                <a:cs typeface="Monaco"/>
-              </a:rPr>
-              <a:t>with mock </a:t>
-            </a:r>
-            <a:r>
-              <a:rPr lang="en-US" sz="1600" dirty="0" smtClean="0">
-                <a:latin typeface="Monaco"/>
-                <a:cs typeface="Monaco"/>
-              </a:rPr>
-              <a:t>objects</a:t>
-            </a:r>
+              <a:t>We recommend moving classes not used by JMVA out of the </a:t>
+            </a:r>
+            <a:r>
+              <a:rPr lang="en-US" sz="1600" dirty="0" smtClean="0">
+                <a:latin typeface="Courier New"/>
+                <a:cs typeface="Courier New"/>
+              </a:rPr>
+              <a:t>analytical</a:t>
+            </a:r>
+            <a:r>
+              <a:rPr lang="en-US" sz="1600" dirty="0" smtClean="0">
+                <a:latin typeface="Monaco"/>
+                <a:cs typeface="Monaco"/>
+              </a:rPr>
+              <a:t> package</a:t>
+            </a:r>
+          </a:p>
+          <a:p>
+            <a:pPr lvl="1"/>
+            <a:r>
+              <a:rPr lang="en-US" sz="1600" dirty="0" smtClean="0">
+                <a:latin typeface="Monaco"/>
+                <a:cs typeface="Monaco"/>
+              </a:rPr>
+              <a:t>We recommend further refactoring of packages to reinforce a stricter layered structure between GUI components, Model controllers, and Analytics Engines</a:t>
+            </a:r>
+          </a:p>
+          <a:p>
+            <a:pPr lvl="1"/>
+            <a:r>
+              <a:rPr lang="en-US" sz="1600" dirty="0" smtClean="0">
+                <a:latin typeface="Monaco"/>
+                <a:cs typeface="Monaco"/>
+              </a:rPr>
+              <a:t>Cyclical dependencies between different layers make understanding and maintaining project very difficult</a:t>
+            </a:r>
+          </a:p>
+          <a:p>
+            <a:r>
+              <a:rPr lang="en-US" sz="2000" dirty="0" smtClean="0">
+                <a:latin typeface="Monaco"/>
+                <a:cs typeface="Monaco"/>
+              </a:rPr>
+              <a:t>Code</a:t>
+            </a:r>
+          </a:p>
+          <a:p>
+            <a:pPr lvl="1"/>
+            <a:r>
+              <a:rPr lang="en-US" sz="1600" dirty="0" smtClean="0">
+                <a:latin typeface="Monaco"/>
+                <a:cs typeface="Monaco"/>
+              </a:rPr>
+              <a:t>Comments are sparse and in Italian make it difficult to understand flow</a:t>
+            </a:r>
+          </a:p>
+          <a:p>
+            <a:pPr lvl="1"/>
+            <a:r>
+              <a:rPr lang="en-US" sz="1600" dirty="0" smtClean="0">
+                <a:latin typeface="Monaco"/>
+                <a:cs typeface="Monaco"/>
+              </a:rPr>
+              <a:t>Names of classes and methods obfuscate their responsibilities and actions (</a:t>
+            </a:r>
+            <a:r>
+              <a:rPr lang="en-US" sz="1600" dirty="0" smtClean="0">
+                <a:latin typeface="Courier New"/>
+                <a:cs typeface="Courier New"/>
+              </a:rPr>
+              <a:t>Solver</a:t>
+            </a:r>
+            <a:r>
+              <a:rPr lang="en-US" sz="1600" dirty="0" smtClean="0">
+                <a:latin typeface="Monaco"/>
+                <a:cs typeface="Monaco"/>
+              </a:rPr>
+              <a:t> doesn’t solve, </a:t>
+            </a:r>
+            <a:r>
+              <a:rPr lang="en-US" sz="1600" dirty="0" smtClean="0">
+                <a:solidFill>
+                  <a:srgbClr val="FF0000"/>
+                </a:solidFill>
+                <a:latin typeface="Courier New"/>
+                <a:cs typeface="Courier New"/>
+              </a:rPr>
+              <a:t>solve()</a:t>
+            </a:r>
+            <a:r>
+              <a:rPr lang="en-US" sz="1600" dirty="0" smtClean="0">
+                <a:latin typeface="Monaco"/>
+                <a:cs typeface="Monaco"/>
+              </a:rPr>
+              <a:t> method delegates responsibility rather than performing analysis, etc.)</a:t>
+            </a:r>
+          </a:p>
+          <a:p>
+            <a:pPr lvl="1"/>
             <a:endParaRPr lang="en-US" sz="1600" dirty="0" smtClean="0">
               <a:latin typeface="Monaco"/>
               <a:cs typeface="Monaco"/>
@@ -8199,41 +8761,6 @@
           </a:p>
           <a:p>
             <a:pPr lvl="1"/>
-            <a:r>
-              <a:rPr lang="en-US" sz="1600" dirty="0" smtClean="0">
-                <a:latin typeface="Monaco"/>
-                <a:cs typeface="Monaco"/>
-              </a:rPr>
-              <a:t>Class cohesion is low (e.g. </a:t>
-            </a:r>
-            <a:r>
-              <a:rPr lang="en-US" sz="1600" dirty="0" err="1" smtClean="0">
-                <a:latin typeface="Courier New"/>
-                <a:cs typeface="Courier New"/>
-              </a:rPr>
-              <a:t>ExactModel</a:t>
-            </a:r>
-            <a:r>
-              <a:rPr lang="en-US" sz="1600" dirty="0" smtClean="0">
-                <a:latin typeface="Monaco"/>
-                <a:cs typeface="Monaco"/>
-              </a:rPr>
-              <a:t>, </a:t>
-            </a:r>
-            <a:r>
-              <a:rPr lang="en-US" sz="1600" dirty="0" err="1" smtClean="0">
-                <a:latin typeface="Courier New"/>
-                <a:cs typeface="Courier New"/>
-              </a:rPr>
-              <a:t>SolverDispatcher</a:t>
-            </a:r>
-            <a:r>
-              <a:rPr lang="en-US" sz="1600" dirty="0" smtClean="0">
-                <a:latin typeface="Monaco"/>
-                <a:cs typeface="Monaco"/>
-              </a:rPr>
-              <a:t>)</a:t>
-            </a:r>
             <a:endParaRPr lang="en-US" sz="1600" dirty="0" smtClean="0">
               <a:latin typeface="Monaco"/>
               <a:cs typeface="Monaco"/>
@@ -8241,129 +8768,24 @@
           </a:p>
           <a:p>
             <a:pPr lvl="1"/>
-            <a:r>
-              <a:rPr lang="en-US" sz="1600" dirty="0" err="1" smtClean="0">
-                <a:latin typeface="Courier New"/>
-                <a:cs typeface="Courier New"/>
-              </a:rPr>
-              <a:t>ExactWizard</a:t>
-            </a:r>
-            <a:r>
-              <a:rPr lang="en-US" sz="1600" dirty="0" smtClean="0">
-                <a:latin typeface="Monaco"/>
-                <a:cs typeface="Monaco"/>
-              </a:rPr>
-              <a:t> breaks inheritance model by overriding superclass methods with empty methods (e.g. </a:t>
-            </a:r>
-            <a:r>
-              <a:rPr lang="en-US" sz="1600" dirty="0" smtClean="0">
-                <a:solidFill>
-                  <a:srgbClr val="FF0000"/>
-                </a:solidFill>
-                <a:latin typeface="Courier New"/>
-                <a:cs typeface="Courier New"/>
-              </a:rPr>
-              <a:t>finish()</a:t>
-            </a:r>
-            <a:r>
-              <a:rPr lang="en-US" sz="1600" dirty="0" smtClean="0">
-                <a:latin typeface="Monaco"/>
-                <a:cs typeface="Monaco"/>
-              </a:rPr>
-              <a:t> );  </a:t>
-            </a:r>
-            <a:r>
-              <a:rPr lang="en-US" sz="1600" dirty="0">
-                <a:latin typeface="Monaco"/>
-                <a:cs typeface="Monaco"/>
-              </a:rPr>
-              <a:t> </a:t>
-            </a:r>
-            <a:r>
-              <a:rPr lang="en-US" sz="1600" dirty="0" smtClean="0">
-                <a:latin typeface="Monaco"/>
-                <a:cs typeface="Monaco"/>
-              </a:rPr>
-              <a:t>we would </a:t>
-            </a:r>
-            <a:r>
-              <a:rPr lang="en-US" sz="1600" dirty="0" smtClean="0">
-                <a:latin typeface="Monaco"/>
-                <a:cs typeface="Monaco"/>
-              </a:rPr>
-              <a:t>prefer </a:t>
-            </a:r>
-            <a:r>
-              <a:rPr lang="en-US" sz="1600" dirty="0" smtClean="0">
-                <a:latin typeface="Monaco"/>
-                <a:cs typeface="Monaco"/>
-              </a:rPr>
-              <a:t>to use interface to encapsulate commonality between </a:t>
-            </a:r>
-            <a:r>
-              <a:rPr lang="en-US" sz="1600" dirty="0" smtClean="0">
-                <a:latin typeface="Monaco"/>
-                <a:cs typeface="Monaco"/>
-              </a:rPr>
-              <a:t>these classes</a:t>
-            </a:r>
-          </a:p>
-          <a:p>
-            <a:r>
-              <a:rPr lang="en-US" sz="2000" dirty="0" smtClean="0">
-                <a:latin typeface="Monaco"/>
-                <a:cs typeface="Monaco"/>
-              </a:rPr>
-              <a:t>Bugs</a:t>
-            </a:r>
+            <a:endParaRPr lang="en-US" sz="1600" dirty="0" smtClean="0">
+              <a:latin typeface="Monaco"/>
+              <a:cs typeface="Monaco"/>
+            </a:endParaRPr>
           </a:p>
           <a:p>
             <a:pPr lvl="1"/>
-            <a:r>
-              <a:rPr lang="en-US" sz="1600" dirty="0" smtClean="0">
-                <a:latin typeface="Monaco"/>
-                <a:cs typeface="Monaco"/>
-              </a:rPr>
-              <a:t>Application </a:t>
-            </a:r>
-            <a:r>
-              <a:rPr lang="en-US" sz="1600" dirty="0">
-                <a:latin typeface="Monaco"/>
-                <a:cs typeface="Monaco"/>
-              </a:rPr>
-              <a:t>shows inconsistencies between execution and documentation </a:t>
-            </a:r>
-            <a:r>
-              <a:rPr lang="en-US" sz="1600" dirty="0" smtClean="0">
-                <a:latin typeface="Monaco"/>
-                <a:cs typeface="Monaco"/>
-              </a:rPr>
-              <a:t>(e.g. </a:t>
-            </a:r>
-            <a:r>
-              <a:rPr lang="en-US" sz="1600" dirty="0">
-                <a:latin typeface="Monaco"/>
-                <a:cs typeface="Monaco"/>
-              </a:rPr>
-              <a:t>naming of tabs in </a:t>
-            </a:r>
-            <a:r>
-              <a:rPr lang="en-US" sz="1600" dirty="0" smtClean="0">
-                <a:latin typeface="Monaco"/>
-                <a:cs typeface="Monaco"/>
-              </a:rPr>
-              <a:t>solutions frame)</a:t>
-            </a:r>
+            <a:endParaRPr lang="en-US" sz="1600" dirty="0" smtClean="0">
+              <a:latin typeface="Monaco"/>
+              <a:cs typeface="Monaco"/>
+            </a:endParaRPr>
           </a:p>
           <a:p>
             <a:pPr lvl="1"/>
-            <a:endParaRPr lang="en-US" sz="1600" dirty="0" smtClean="0"/>
-          </a:p>
-          <a:p>
-            <a:pPr marL="457200" lvl="1" indent="0">
-              <a:buNone/>
-            </a:pPr>
-            <a:endParaRPr lang="en-US" sz="1600" dirty="0"/>
+            <a:endParaRPr lang="en-US" sz="1600" dirty="0" smtClean="0">
+              <a:latin typeface="Monaco"/>
+              <a:cs typeface="Monaco"/>
+            </a:endParaRPr>
           </a:p>
         </p:txBody>
       </p:sp>
@@ -8383,18 +8805,13 @@
           <a:lstStyle/>
           <a:p>
             <a:r>
-              <a:rPr lang="es-ES" dirty="0">
+              <a:rPr lang="es-ES" dirty="0" smtClean="0">
                 <a:solidFill>
                   <a:srgbClr val="000000"/>
                 </a:solidFill>
               </a:rPr>
-              <a:t>8</a:t>
-            </a:r>
-            <a:endParaRPr lang="es-ES" dirty="0" smtClean="0">
-              <a:solidFill>
-                <a:srgbClr val="000000"/>
-              </a:solidFill>
-            </a:endParaRPr>
+              <a:t>7</a:t>
+            </a:r>
           </a:p>
         </p:txBody>
       </p:sp>
